--- a/Documents/Powerpoints/7.0 WinForms & Sudoku.pptx
+++ b/Documents/Powerpoints/7.0 WinForms & Sudoku.pptx
@@ -22920,6 +22920,13 @@
   <p:clrMapOvr>
     <a:masterClrMapping/>
   </p:clrMapOvr>
+  <p:timing>
+    <p:tnLst>
+      <p:par>
+        <p:cTn id="1" dur="indefinite" restart="never" nodeType="tmRoot"/>
+      </p:par>
+    </p:tnLst>
+  </p:timing>
 </p:sld>
 </file>
 
@@ -24534,6 +24541,13 @@
   <p:clrMapOvr>
     <a:masterClrMapping/>
   </p:clrMapOvr>
+  <p:timing>
+    <p:tnLst>
+      <p:par>
+        <p:cTn id="1" dur="indefinite" restart="never" nodeType="tmRoot"/>
+      </p:par>
+    </p:tnLst>
+  </p:timing>
 </p:sld>
 </file>
 
@@ -24776,6 +24790,13 @@
   <p:clrMapOvr>
     <a:masterClrMapping/>
   </p:clrMapOvr>
+  <p:timing>
+    <p:tnLst>
+      <p:par>
+        <p:cTn id="1" dur="indefinite" restart="never" nodeType="tmRoot"/>
+      </p:par>
+    </p:tnLst>
+  </p:timing>
 </p:sld>
 </file>
 
@@ -24982,6 +25003,13 @@
   <p:clrMapOvr>
     <a:masterClrMapping/>
   </p:clrMapOvr>
+  <p:timing>
+    <p:tnLst>
+      <p:par>
+        <p:cTn id="1" dur="indefinite" restart="never" nodeType="tmRoot"/>
+      </p:par>
+    </p:tnLst>
+  </p:timing>
 </p:sld>
 </file>
 
@@ -25128,6 +25156,13 @@
   <p:clrMapOvr>
     <a:masterClrMapping/>
   </p:clrMapOvr>
+  <p:timing>
+    <p:tnLst>
+      <p:par>
+        <p:cTn id="1" dur="indefinite" restart="never" nodeType="tmRoot"/>
+      </p:par>
+    </p:tnLst>
+  </p:timing>
 </p:sld>
 </file>
 
